--- a/Docs/Capstone Team 6_발표자료_최종.pptx
+++ b/Docs/Capstone Team 6_발표자료_최종.pptx
@@ -210,7 +210,7 @@
           <a:p>
             <a:fld id="{0C18EB57-2088-4D4C-893E-46B5B8D1796F}" type="datetimeFigureOut">
               <a:rPr lang="en-GB" smtClean="0"/>
-              <a:t>04/04/2021</a:t>
+              <a:t>05/04/2021</a:t>
             </a:fld>
             <a:endParaRPr lang="en-GB"/>
           </a:p>
@@ -609,7 +609,7 @@
           <a:p>
             <a:fld id="{4DF046BC-FE74-4736-9FFC-8F61FA03174A}" type="datetime1">
               <a:rPr lang="en-GB" smtClean="0"/>
-              <a:t>04/04/2021</a:t>
+              <a:t>05/04/2021</a:t>
             </a:fld>
             <a:endParaRPr lang="en-GB"/>
           </a:p>
@@ -779,7 +779,7 @@
           <a:p>
             <a:fld id="{160BC3E4-167E-44F3-B526-964104B61F04}" type="datetime1">
               <a:rPr lang="en-GB" smtClean="0"/>
-              <a:t>04/04/2021</a:t>
+              <a:t>05/04/2021</a:t>
             </a:fld>
             <a:endParaRPr lang="en-GB"/>
           </a:p>
@@ -959,7 +959,7 @@
           <a:p>
             <a:fld id="{0776696F-2F7C-43D2-919F-4A039F34E3A7}" type="datetime1">
               <a:rPr lang="en-GB" smtClean="0"/>
-              <a:t>04/04/2021</a:t>
+              <a:t>05/04/2021</a:t>
             </a:fld>
             <a:endParaRPr lang="en-GB"/>
           </a:p>
@@ -1129,7 +1129,7 @@
           <a:p>
             <a:fld id="{29FC65D2-CB57-4AC0-BC2A-0C616AA4D2D5}" type="datetime1">
               <a:rPr lang="en-GB" smtClean="0"/>
-              <a:t>04/04/2021</a:t>
+              <a:t>05/04/2021</a:t>
             </a:fld>
             <a:endParaRPr lang="en-GB"/>
           </a:p>
@@ -1375,7 +1375,7 @@
           <a:p>
             <a:fld id="{8A1A00DD-F469-4EB3-9AD9-97BAC6D8308E}" type="datetime1">
               <a:rPr lang="en-GB" smtClean="0"/>
-              <a:t>04/04/2021</a:t>
+              <a:t>05/04/2021</a:t>
             </a:fld>
             <a:endParaRPr lang="en-GB"/>
           </a:p>
@@ -1607,7 +1607,7 @@
           <a:p>
             <a:fld id="{5B616BC6-443B-47A6-8C9B-236A2D61124A}" type="datetime1">
               <a:rPr lang="en-GB" smtClean="0"/>
-              <a:t>04/04/2021</a:t>
+              <a:t>05/04/2021</a:t>
             </a:fld>
             <a:endParaRPr lang="en-GB"/>
           </a:p>
@@ -1974,7 +1974,7 @@
           <a:p>
             <a:fld id="{4EA769EA-1B38-41BC-803A-0585EE98195B}" type="datetime1">
               <a:rPr lang="en-GB" smtClean="0"/>
-              <a:t>04/04/2021</a:t>
+              <a:t>05/04/2021</a:t>
             </a:fld>
             <a:endParaRPr lang="en-GB"/>
           </a:p>
@@ -2092,7 +2092,7 @@
           <a:p>
             <a:fld id="{90A352D1-27F1-4C04-9E24-C30C627EF766}" type="datetime1">
               <a:rPr lang="en-GB" smtClean="0"/>
-              <a:t>04/04/2021</a:t>
+              <a:t>05/04/2021</a:t>
             </a:fld>
             <a:endParaRPr lang="en-GB"/>
           </a:p>
@@ -2187,7 +2187,7 @@
           <a:p>
             <a:fld id="{3E7373E7-71F5-48DE-9809-EAC7EED6429F}" type="datetime1">
               <a:rPr lang="en-GB" smtClean="0"/>
-              <a:t>04/04/2021</a:t>
+              <a:t>05/04/2021</a:t>
             </a:fld>
             <a:endParaRPr lang="en-GB"/>
           </a:p>
@@ -2464,7 +2464,7 @@
           <a:p>
             <a:fld id="{9FC211D1-6D28-40A4-BA5E-F8A2AF9EEF47}" type="datetime1">
               <a:rPr lang="en-GB" smtClean="0"/>
-              <a:t>04/04/2021</a:t>
+              <a:t>05/04/2021</a:t>
             </a:fld>
             <a:endParaRPr lang="en-GB"/>
           </a:p>
@@ -2721,7 +2721,7 @@
           <a:p>
             <a:fld id="{288E15AE-2926-43A2-A19A-FE71398E5EF9}" type="datetime1">
               <a:rPr lang="en-GB" smtClean="0"/>
-              <a:t>04/04/2021</a:t>
+              <a:t>05/04/2021</a:t>
             </a:fld>
             <a:endParaRPr lang="en-GB"/>
           </a:p>
@@ -2934,7 +2934,7 @@
           <a:p>
             <a:fld id="{9C2CC04F-8B66-495E-B14A-37EDA6C16CBF}" type="datetime1">
               <a:rPr lang="en-GB" smtClean="0"/>
-              <a:t>04/04/2021</a:t>
+              <a:t>05/04/2021</a:t>
             </a:fld>
             <a:endParaRPr lang="en-GB"/>
           </a:p>
@@ -4110,15 +4110,7 @@
             </a:r>
             <a:r>
               <a:rPr lang="ko-KR" altLang="en-US" dirty="0"/>
-              <a:t>목표 설정 </a:t>
-            </a:r>
-            <a:r>
-              <a:rPr lang="ko-KR" altLang="en-US" dirty="0" err="1"/>
-              <a:t>및필요성을</a:t>
-            </a:r>
-            <a:r>
-              <a:rPr lang="ko-KR" altLang="en-US" dirty="0"/>
-              <a:t> 어떻게 어필할 수 있을지에 대해서 조언을 받았습니다</a:t>
+              <a:t>목표 설정 및 필요성을 어떻게 어필할 수 있을지에 대해서 조언을 받았습니다</a:t>
             </a:r>
             <a:r>
               <a:rPr lang="en-GB" altLang="ko-KR" dirty="0"/>
